--- a/doc/Pipeline.pptx
+++ b/doc/Pipeline.pptx
@@ -6,11 +6,12 @@
   </p:sldMasterIdLst>
   <p:sldIdLst>
     <p:sldId id="256" r:id="rId3"/>
+    <p:sldId id="257" r:id="rId4"/>
   </p:sldIdLst>
   <p:sldSz cx="12192000" cy="6858000"/>
   <p:notesSz cx="6858000" cy="9144000"/>
   <p:custDataLst>
-    <p:tags r:id="rId7"/>
+    <p:tags r:id="rId8"/>
   </p:custDataLst>
   <p:defaultTextStyle>
     <a:defPPr>
@@ -2956,9 +2957,155 @@
 </p:sld>
 </file>
 
+<file path=ppt/slides/slide2.xml><?xml version="1.0" encoding="utf-8"?>
+<p:sld xmlns:a="http://schemas.openxmlformats.org/drawingml/2006/main" xmlns:r="http://schemas.openxmlformats.org/officeDocument/2006/relationships" xmlns:p="http://schemas.openxmlformats.org/presentationml/2006/main">
+  <p:cSld>
+    <p:spTree>
+      <p:nvGrpSpPr>
+        <p:cNvPr id="1" name=""/>
+        <p:cNvGrpSpPr/>
+        <p:nvPr/>
+      </p:nvGrpSpPr>
+      <p:grpSpPr/>
+      <p:pic>
+        <p:nvPicPr>
+          <p:cNvPr id="4" name="图片 3" descr="PixPin_2025-03-15_09-00-47"/>
+          <p:cNvPicPr>
+            <a:picLocks noChangeAspect="1"/>
+          </p:cNvPicPr>
+          <p:nvPr/>
+        </p:nvPicPr>
+        <p:blipFill>
+          <a:blip r:embed="rId1"/>
+          <a:stretch>
+            <a:fillRect/>
+          </a:stretch>
+        </p:blipFill>
+        <p:spPr>
+          <a:xfrm>
+            <a:off x="2319655" y="756920"/>
+            <a:ext cx="5232400" cy="2224405"/>
+          </a:xfrm>
+          <a:prstGeom prst="rect">
+            <a:avLst/>
+          </a:prstGeom>
+        </p:spPr>
+      </p:pic>
+      <p:pic>
+        <p:nvPicPr>
+          <p:cNvPr id="5" name="图片 4" descr="PixPin_2025-03-15_09-01-09"/>
+          <p:cNvPicPr>
+            <a:picLocks noChangeAspect="1"/>
+          </p:cNvPicPr>
+          <p:nvPr/>
+        </p:nvPicPr>
+        <p:blipFill>
+          <a:blip r:embed="rId2"/>
+          <a:stretch>
+            <a:fillRect/>
+          </a:stretch>
+        </p:blipFill>
+        <p:spPr>
+          <a:xfrm>
+            <a:off x="2319655" y="2981325"/>
+            <a:ext cx="5233035" cy="2496820"/>
+          </a:xfrm>
+          <a:prstGeom prst="rect">
+            <a:avLst/>
+          </a:prstGeom>
+        </p:spPr>
+      </p:pic>
+      <p:sp>
+        <p:nvSpPr>
+          <p:cNvPr id="6" name="椭圆 5"/>
+          <p:cNvSpPr/>
+          <p:nvPr/>
+        </p:nvSpPr>
+        <p:spPr>
+          <a:xfrm>
+            <a:off x="3649980" y="1515745"/>
+            <a:ext cx="384175" cy="317500"/>
+          </a:xfrm>
+          <a:prstGeom prst="ellipse">
+            <a:avLst/>
+          </a:prstGeom>
+          <a:ln>
+            <a:solidFill>
+              <a:srgbClr val="FF0000"/>
+            </a:solidFill>
+          </a:ln>
+        </p:spPr>
+        <p:style>
+          <a:lnRef idx="2">
+            <a:schemeClr val="accent1"/>
+          </a:lnRef>
+          <a:fillRef idx="0">
+            <a:srgbClr val="FFFFFF"/>
+          </a:fillRef>
+          <a:effectRef idx="0">
+            <a:srgbClr val="FFFFFF"/>
+          </a:effectRef>
+          <a:fontRef idx="minor">
+            <a:schemeClr val="tx1"/>
+          </a:fontRef>
+        </p:style>
+        <p:txBody>
+          <a:bodyPr rtlCol="0" anchor="ctr"/>
+          <a:p>
+            <a:pPr algn="ctr"/>
+            <a:endParaRPr lang="zh-CN" altLang="en-US"/>
+          </a:p>
+        </p:txBody>
+      </p:sp>
+      <p:cxnSp>
+        <p:nvCxnSpPr>
+          <p:cNvPr id="7" name="直接箭头连接符 6"/>
+          <p:cNvCxnSpPr>
+            <a:stCxn id="6" idx="4"/>
+          </p:cNvCxnSpPr>
+          <p:nvPr/>
+        </p:nvCxnSpPr>
+        <p:spPr>
+          <a:xfrm>
+            <a:off x="3842385" y="1833245"/>
+            <a:ext cx="642620" cy="1816100"/>
+          </a:xfrm>
+          <a:prstGeom prst="straightConnector1">
+            <a:avLst/>
+          </a:prstGeom>
+          <a:ln>
+            <a:solidFill>
+              <a:srgbClr val="FF0000"/>
+            </a:solidFill>
+            <a:tailEnd type="arrow"/>
+          </a:ln>
+        </p:spPr>
+        <p:style>
+          <a:lnRef idx="2">
+            <a:schemeClr val="accent1"/>
+          </a:lnRef>
+          <a:fillRef idx="0">
+            <a:srgbClr val="FFFFFF"/>
+          </a:fillRef>
+          <a:effectRef idx="0">
+            <a:srgbClr val="FFFFFF"/>
+          </a:effectRef>
+          <a:fontRef idx="minor">
+            <a:schemeClr val="tx1"/>
+          </a:fontRef>
+        </p:style>
+      </p:cxnSp>
+    </p:spTree>
+  </p:cSld>
+  <p:clrMapOvr>
+    <a:masterClrMapping/>
+  </p:clrMapOvr>
+</p:sld>
+</file>
+
 <file path=ppt/tags/tag1.xml><?xml version="1.0" encoding="utf-8"?>
 <p:tagLst xmlns:p="http://schemas.openxmlformats.org/presentationml/2006/main">
-  <p:tag name="commondata" val="eyJoZGlkIjoiMGYyNDQ3YjgwNmNkNzMwOTY1NGM3ZGFjM2VhNzczZDUifQ=="/>
+  <p:tag name="commondata" val="eyJoZGlkIjoiNDJlMDhmMDZmZThjZjEwNWY5YzcyNWM3ZTAyZTcyOGEifQ=="/>
 </p:tagLst>
 </file>
 
